--- a/soutenance/SOUTENANCE_P2_WEBDEV_20200307.pptx
+++ b/soutenance/SOUTENANCE_P2_WEBDEV_20200307.pptx
@@ -207,7 +207,7 @@
           <a:p>
             <a:fld id="{1EE613DA-4255-4206-A3B5-884EF1A4C597}" type="datetimeFigureOut">
               <a:rPr lang="fr-FR" smtClean="0"/>
-              <a:t>12/03/2020</a:t>
+              <a:t>30/03/2020</a:t>
             </a:fld>
             <a:endParaRPr lang="fr-FR"/>
           </a:p>
@@ -621,7 +621,7 @@
           <a:p>
             <a:fld id="{CFF6002E-8804-4677-8B81-1834B8D9FE9D}" type="datetime1">
               <a:rPr lang="fr-FR" smtClean="0"/>
-              <a:t>12/03/2020</a:t>
+              <a:t>30/03/2020</a:t>
             </a:fld>
             <a:endParaRPr lang="fr-FR"/>
           </a:p>
@@ -819,7 +819,7 @@
           <a:p>
             <a:fld id="{70C4045E-266D-4751-A1ED-F71B324B99A2}" type="datetime1">
               <a:rPr lang="fr-FR" smtClean="0"/>
-              <a:t>12/03/2020</a:t>
+              <a:t>30/03/2020</a:t>
             </a:fld>
             <a:endParaRPr lang="fr-FR"/>
           </a:p>
@@ -1027,7 +1027,7 @@
           <a:p>
             <a:fld id="{BEDCFC7F-3E0B-4F7A-A72C-55E9B8D1D097}" type="datetime1">
               <a:rPr lang="fr-FR" smtClean="0"/>
-              <a:t>12/03/2020</a:t>
+              <a:t>30/03/2020</a:t>
             </a:fld>
             <a:endParaRPr lang="fr-FR"/>
           </a:p>
@@ -1225,7 +1225,7 @@
           <a:p>
             <a:fld id="{FE94FB2D-EA3E-4DEA-BB9D-5B6B87910378}" type="datetime1">
               <a:rPr lang="fr-FR" smtClean="0"/>
-              <a:t>12/03/2020</a:t>
+              <a:t>30/03/2020</a:t>
             </a:fld>
             <a:endParaRPr lang="fr-FR"/>
           </a:p>
@@ -1500,7 +1500,7 @@
           <a:p>
             <a:fld id="{1ADC5BD9-B899-460F-B539-19634B69DBA5}" type="datetime1">
               <a:rPr lang="fr-FR" smtClean="0"/>
-              <a:t>12/03/2020</a:t>
+              <a:t>30/03/2020</a:t>
             </a:fld>
             <a:endParaRPr lang="fr-FR"/>
           </a:p>
@@ -1765,7 +1765,7 @@
           <a:p>
             <a:fld id="{C6CB045D-F434-4C28-9E99-1168037B8AC4}" type="datetime1">
               <a:rPr lang="fr-FR" smtClean="0"/>
-              <a:t>12/03/2020</a:t>
+              <a:t>30/03/2020</a:t>
             </a:fld>
             <a:endParaRPr lang="fr-FR"/>
           </a:p>
@@ -2177,7 +2177,7 @@
           <a:p>
             <a:fld id="{892377DD-6C00-46AD-9800-703F5B97EE2E}" type="datetime1">
               <a:rPr lang="fr-FR" smtClean="0"/>
-              <a:t>12/03/2020</a:t>
+              <a:t>30/03/2020</a:t>
             </a:fld>
             <a:endParaRPr lang="fr-FR"/>
           </a:p>
@@ -2318,7 +2318,7 @@
           <a:p>
             <a:fld id="{A27231E5-CC38-4744-9DCB-1E61EBCD3BAF}" type="datetime1">
               <a:rPr lang="fr-FR" smtClean="0"/>
-              <a:t>12/03/2020</a:t>
+              <a:t>30/03/2020</a:t>
             </a:fld>
             <a:endParaRPr lang="fr-FR"/>
           </a:p>
@@ -2431,7 +2431,7 @@
           <a:p>
             <a:fld id="{5268C6E5-9977-4513-BDE4-39CC98AED8FA}" type="datetime1">
               <a:rPr lang="fr-FR" smtClean="0"/>
-              <a:t>12/03/2020</a:t>
+              <a:t>30/03/2020</a:t>
             </a:fld>
             <a:endParaRPr lang="fr-FR"/>
           </a:p>
@@ -2742,7 +2742,7 @@
           <a:p>
             <a:fld id="{F9025C4C-CC6F-40A5-B4BE-1A41830CD75C}" type="datetime1">
               <a:rPr lang="fr-FR" smtClean="0"/>
-              <a:t>12/03/2020</a:t>
+              <a:t>30/03/2020</a:t>
             </a:fld>
             <a:endParaRPr lang="fr-FR"/>
           </a:p>
@@ -3030,7 +3030,7 @@
           <a:p>
             <a:fld id="{E349EBF6-0876-4D14-83A3-F5C5BD2DF8E5}" type="datetime1">
               <a:rPr lang="fr-FR" smtClean="0"/>
-              <a:t>12/03/2020</a:t>
+              <a:t>30/03/2020</a:t>
             </a:fld>
             <a:endParaRPr lang="fr-FR"/>
           </a:p>
@@ -3271,7 +3271,7 @@
           <a:p>
             <a:fld id="{AE64EABA-510C-413E-AB45-35724D0C1BF4}" type="datetime1">
               <a:rPr lang="fr-FR" smtClean="0"/>
-              <a:t>12/03/2020</a:t>
+              <a:t>30/03/2020</a:t>
             </a:fld>
             <a:endParaRPr lang="fr-FR"/>
           </a:p>
@@ -4046,7 +4046,7 @@
                   </a:schemeClr>
                 </a:solidFill>
               </a:rPr>
-              <a:t>Formation développeur web junior</a:t>
+              <a:t>Formation développeur web</a:t>
             </a:r>
           </a:p>
         </p:txBody>
